--- a/Documentation/D-MARLA Praesentation.pptx
+++ b/Documentation/D-MARLA Praesentation.pptx
@@ -205,7 +205,7 @@
           <a:p>
             <a:fld id="{33F7E27C-5236-7F46-9952-F0CAF777B0D0}" type="datetimeFigureOut">
               <a:rPr lang="de-DE" smtClean="0"/>
-              <a:t>18.06.12</a:t>
+              <a:t>26.06.12</a:t>
             </a:fld>
             <a:endParaRPr lang="de-DE"/>
           </a:p>
@@ -371,7 +371,7 @@
           <a:p>
             <a:fld id="{C26D03E6-459F-0C42-B9A5-433173C9FCE2}" type="datetimeFigureOut">
               <a:rPr lang="de-DE" smtClean="0"/>
-              <a:t>18.06.12</a:t>
+              <a:t>26.06.12</a:t>
             </a:fld>
             <a:endParaRPr lang="de-DE"/>
           </a:p>
@@ -3397,7 +3397,7 @@
           <a:p>
             <a:fld id="{18787323-A455-7B47-A470-817384D17332}" type="datetime4">
               <a:rPr lang="de-DE" smtClean="0"/>
-              <a:t>Juni 18, 2012</a:t>
+              <a:t>Juni 26, 2012</a:t>
             </a:fld>
             <a:endParaRPr lang="en-US" dirty="0"/>
           </a:p>
@@ -3687,7 +3687,7 @@
           <a:p>
             <a:fld id="{492279FF-6CD8-5B42-B7D9-7B963D4F2081}" type="datetime4">
               <a:rPr lang="de-DE" smtClean="0"/>
-              <a:t>Juni 18, 2012</a:t>
+              <a:t>Juni 26, 2012</a:t>
             </a:fld>
             <a:endParaRPr lang="en-US"/>
           </a:p>
@@ -3867,7 +3867,7 @@
           <a:p>
             <a:fld id="{9AC65C50-F349-724D-A775-55A5ABC85B00}" type="datetime4">
               <a:rPr lang="de-DE" smtClean="0"/>
-              <a:t>Juni 18, 2012</a:t>
+              <a:t>Juni 26, 2012</a:t>
             </a:fld>
             <a:endParaRPr lang="en-US"/>
           </a:p>
@@ -4037,7 +4037,7 @@
           <a:p>
             <a:fld id="{C3D38ED9-AD64-6646-9111-51C8C8E17022}" type="datetime4">
               <a:rPr lang="de-DE" smtClean="0"/>
-              <a:t>Juni 18, 2012</a:t>
+              <a:t>Juni 26, 2012</a:t>
             </a:fld>
             <a:endParaRPr lang="en-US"/>
           </a:p>
@@ -4283,7 +4283,7 @@
           <a:p>
             <a:fld id="{B52C1031-29C6-AE46-9C8D-1287D5EEDEAE}" type="datetime4">
               <a:rPr lang="de-DE" smtClean="0"/>
-              <a:t>Juni 18, 2012</a:t>
+              <a:t>Juni 26, 2012</a:t>
             </a:fld>
             <a:endParaRPr lang="en-US"/>
           </a:p>
@@ -4401,7 +4401,7 @@
           <a:p>
             <a:fld id="{4CAEF64D-6BA0-C848-9641-D73F5487A5D7}" type="datetime4">
               <a:rPr lang="de-DE" smtClean="0"/>
-              <a:t>Juni 18, 2012</a:t>
+              <a:t>Juni 26, 2012</a:t>
             </a:fld>
             <a:endParaRPr lang="en-US"/>
           </a:p>
@@ -4945,7 +4945,7 @@
           <a:p>
             <a:fld id="{7588F260-7C50-1D47-B304-203A4127725D}" type="datetime4">
               <a:rPr lang="de-DE" smtClean="0"/>
-              <a:t>Juni 18, 2012</a:t>
+              <a:t>Juni 26, 2012</a:t>
             </a:fld>
             <a:endParaRPr lang="en-US"/>
           </a:p>
@@ -5063,7 +5063,7 @@
           <a:p>
             <a:fld id="{5EC04225-F3AC-E545-BFD4-141CE64D8D41}" type="datetime4">
               <a:rPr lang="de-DE" smtClean="0"/>
-              <a:t>Juni 18, 2012</a:t>
+              <a:t>Juni 26, 2012</a:t>
             </a:fld>
             <a:endParaRPr lang="en-US"/>
           </a:p>
@@ -5158,7 +5158,7 @@
           <a:p>
             <a:fld id="{DA2553D1-3788-FF47-8177-504B7586AB38}" type="datetime4">
               <a:rPr lang="de-DE" smtClean="0"/>
-              <a:t>Juni 18, 2012</a:t>
+              <a:t>Juni 26, 2012</a:t>
             </a:fld>
             <a:endParaRPr lang="en-US"/>
           </a:p>
@@ -7814,7 +7814,7 @@
           <a:p>
             <a:fld id="{610C5341-B6E5-324E-AFB8-98B28C5BCC06}" type="datetime4">
               <a:rPr lang="de-DE" smtClean="0"/>
-              <a:t>Juni 18, 2012</a:t>
+              <a:t>Juni 26, 2012</a:t>
             </a:fld>
             <a:endParaRPr lang="en-US"/>
           </a:p>
@@ -11031,7 +11031,7 @@
           <a:p>
             <a:fld id="{BA77F814-279A-3844-8C94-9D6145834606}" type="datetime4">
               <a:rPr lang="de-DE" smtClean="0"/>
-              <a:t>Juni 18, 2012</a:t>
+              <a:t>Juni 26, 2012</a:t>
             </a:fld>
             <a:endParaRPr lang="en-US"/>
           </a:p>
@@ -13858,7 +13858,7 @@
           <a:p>
             <a:fld id="{386FE0D7-EA90-E74D-8264-5DDD5BF4E808}" type="datetime4">
               <a:rPr lang="de-DE" smtClean="0"/>
-              <a:t>Juni 18, 2012</a:t>
+              <a:t>Juni 26, 2012</a:t>
             </a:fld>
             <a:endParaRPr lang="en-US"/>
           </a:p>
@@ -14515,11 +14515,7 @@
           <a:p>
             <a:r>
               <a:rPr lang="de-DE" dirty="0" smtClean="0"/>
-              <a:t>Fernkonfiguration von Agenten </a:t>
-            </a:r>
-            <a:r>
-              <a:rPr lang="de-DE" dirty="0" smtClean="0"/>
-              <a:t>ermöglichen</a:t>
+              <a:t>Fernkonfiguration von Agenten ermöglichen</a:t>
             </a:r>
           </a:p>
           <a:p>
@@ -14530,7 +14526,6 @@
               <a:rPr lang="de-DE" dirty="0" smtClean="0"/>
               <a:t>Kooperative Lösungen ermöglichen</a:t>
             </a:r>
-            <a:endParaRPr lang="de-DE" dirty="0" smtClean="0"/>
           </a:p>
           <a:p>
             <a:endParaRPr lang="de-DE" dirty="0" smtClean="0"/>
@@ -15722,6 +15717,13 @@
   <p:clrMapOvr>
     <a:masterClrMapping/>
   </p:clrMapOvr>
+  <p:timing>
+    <p:tnLst>
+      <p:par>
+        <p:cTn xmlns:p14="http://schemas.microsoft.com/office/powerpoint/2010/main" id="1" dur="indefinite" restart="never" nodeType="tmRoot"/>
+      </p:par>
+    </p:tnLst>
+  </p:timing>
 </p:sld>
 </file>
 
@@ -15871,6 +15873,13 @@
   <p:clrMapOvr>
     <a:masterClrMapping/>
   </p:clrMapOvr>
+  <p:timing>
+    <p:tnLst>
+      <p:par>
+        <p:cTn xmlns:p14="http://schemas.microsoft.com/office/powerpoint/2010/main" id="1" dur="indefinite" restart="never" nodeType="tmRoot"/>
+      </p:par>
+    </p:tnLst>
+  </p:timing>
 </p:sld>
 </file>
 
@@ -16011,6 +16020,13 @@
   <p:clrMapOvr>
     <a:masterClrMapping/>
   </p:clrMapOvr>
+  <p:timing>
+    <p:tnLst>
+      <p:par>
+        <p:cTn xmlns:p14="http://schemas.microsoft.com/office/powerpoint/2010/main" id="1" dur="indefinite" restart="never" nodeType="tmRoot"/>
+      </p:par>
+    </p:tnLst>
+  </p:timing>
 </p:sld>
 </file>
 
@@ -16216,6 +16232,13 @@
   <p:clrMapOvr>
     <a:masterClrMapping/>
   </p:clrMapOvr>
+  <p:timing>
+    <p:tnLst>
+      <p:par>
+        <p:cTn xmlns:p14="http://schemas.microsoft.com/office/powerpoint/2010/main" id="1" dur="indefinite" restart="never" nodeType="tmRoot"/>
+      </p:par>
+    </p:tnLst>
+  </p:timing>
 </p:sld>
 </file>
 
@@ -16420,6 +16443,13 @@
   <p:clrMapOvr>
     <a:masterClrMapping/>
   </p:clrMapOvr>
+  <p:timing>
+    <p:tnLst>
+      <p:par>
+        <p:cTn xmlns:p14="http://schemas.microsoft.com/office/powerpoint/2010/main" id="1" dur="indefinite" restart="never" nodeType="tmRoot"/>
+      </p:par>
+    </p:tnLst>
+  </p:timing>
 </p:sld>
 </file>
 
